--- a/Automationdashboard/MAIN_FOLDER/Automation_Dashboard_Batterywise/V2/D12_03_2024/B4_B04_09.18_09.42/analysis_B4_B04_09.18_09.42.pptx
+++ b/Automationdashboard/MAIN_FOLDER/Automation_Dashboard_Batterywise/V2/D12_03_2024/B4_B04_09.18_09.42/analysis_B4_B04_09.18_09.42.pptx
@@ -3376,6 +3376,32 @@
                     <a:lstStyle/>
                     <a:p>
                       <a:r>
+                        <a:t>30.0</a:t>
+                      </a:r>
+                    </a:p>
+                  </a:txBody>
+                  <a:tcPr/>
+                </a:tc>
+              </a:tr>
+              <a:tr h="326571">
+                <a:tc>
+                  <a:txBody>
+                    <a:bodyPr/>
+                    <a:lstStyle/>
+                    <a:p>
+                      <a:r>
+                        <a:t>Ending SoC (%)</a:t>
+                      </a:r>
+                    </a:p>
+                  </a:txBody>
+                  <a:tcPr/>
+                </a:tc>
+                <a:tc>
+                  <a:txBody>
+                    <a:bodyPr/>
+                    <a:lstStyle/>
+                    <a:p>
+                      <a:r>
                         <a:t>12.0</a:t>
                       </a:r>
                     </a:p>
@@ -3390,19 +3416,19 @@
                     <a:lstStyle/>
                     <a:p>
                       <a:r>
-                        <a:t>Ending SoC (%)</a:t>
-                      </a:r>
-                    </a:p>
-                  </a:txBody>
-                  <a:tcPr/>
-                </a:tc>
-                <a:tc>
-                  <a:txBody>
-                    <a:bodyPr/>
-                    <a:lstStyle/>
-                    <a:p>
-                      <a:r>
-                        <a:t>30.0</a:t>
+                        <a:t>Total distance covered (km)</a:t>
+                      </a:r>
+                    </a:p>
+                  </a:txBody>
+                  <a:tcPr/>
+                </a:tc>
+                <a:tc>
+                  <a:txBody>
+                    <a:bodyPr/>
+                    <a:lstStyle/>
+                    <a:p>
+                      <a:r>
+                        <a:t>11.775020637923902</a:t>
                       </a:r>
                     </a:p>
                   </a:txBody>
@@ -3416,19 +3442,19 @@
                     <a:lstStyle/>
                     <a:p>
                       <a:r>
-                        <a:t>Total distance covered (in kilometers)</a:t>
-                      </a:r>
-                    </a:p>
-                  </a:txBody>
-                  <a:tcPr/>
-                </a:tc>
-                <a:tc>
-                  <a:txBody>
-                    <a:bodyPr/>
-                    <a:lstStyle/>
-                    <a:p>
-                      <a:r>
-                        <a:t>11.775020637923902</a:t>
+                        <a:t>Total energy consumption(WH/KM)</a:t>
+                      </a:r>
+                    </a:p>
+                  </a:txBody>
+                  <a:tcPr/>
+                </a:tc>
+                <a:tc>
+                  <a:txBody>
+                    <a:bodyPr/>
+                    <a:lstStyle/>
+                    <a:p>
+                      <a:r>
+                        <a:t>33.25673477348758</a:t>
                       </a:r>
                     </a:p>
                   </a:txBody>
@@ -3442,19 +3468,19 @@
                     <a:lstStyle/>
                     <a:p>
                       <a:r>
-                        <a:t>WH/KM</a:t>
-                      </a:r>
-                    </a:p>
-                  </a:txBody>
-                  <a:tcPr/>
-                </a:tc>
-                <a:tc>
-                  <a:txBody>
-                    <a:bodyPr/>
-                    <a:lstStyle/>
-                    <a:p>
-                      <a:r>
-                        <a:t>33.25673477348758</a:t>
+                        <a:t>Total SOC consumed(%)</a:t>
+                      </a:r>
+                    </a:p>
+                  </a:txBody>
+                  <a:tcPr/>
+                </a:tc>
+                <a:tc>
+                  <a:txBody>
+                    <a:bodyPr/>
+                    <a:lstStyle/>
+                    <a:p>
+                      <a:r>
+                        <a:t>18.0</a:t>
                       </a:r>
                     </a:p>
                   </a:txBody>
@@ -3468,19 +3494,24 @@
                     <a:lstStyle/>
                     <a:p>
                       <a:r>
-                        <a:t>Total SOC consumed</a:t>
-                      </a:r>
-                    </a:p>
-                  </a:txBody>
-                  <a:tcPr/>
-                </a:tc>
-                <a:tc>
-                  <a:txBody>
-                    <a:bodyPr/>
-                    <a:lstStyle/>
-                    <a:p>
-                      <a:r>
-                        <a:t>18.0</a:t>
+                        <a:t>Mode</a:t>
+                      </a:r>
+                    </a:p>
+                  </a:txBody>
+                  <a:tcPr/>
+                </a:tc>
+                <a:tc>
+                  <a:txBody>
+                    <a:bodyPr/>
+                    <a:lstStyle/>
+                    <a:p>
+                      <a:r>
+                        <a:t>Eco mode</a:t>
+                      </a:r>
+                    </a:p>
+                    <a:p>
+                      <a:r>
+                        <a:t>97.32%</a:t>
                       </a:r>
                     </a:p>
                   </a:txBody>
@@ -3494,38 +3525,7 @@
                     <a:lstStyle/>
                     <a:p>
                       <a:r>
-                        <a:t>Mode</a:t>
-                      </a:r>
-                    </a:p>
-                  </a:txBody>
-                  <a:tcPr/>
-                </a:tc>
-                <a:tc>
-                  <a:txBody>
-                    <a:bodyPr/>
-                    <a:lstStyle/>
-                    <a:p>
-                      <a:r>
-                        <a:t>Eco mode</a:t>
-                      </a:r>
-                    </a:p>
-                    <a:p>
-                      <a:r>
-                        <a:t>97.32%</a:t>
-                      </a:r>
-                    </a:p>
-                  </a:txBody>
-                  <a:tcPr/>
-                </a:tc>
-              </a:tr>
-              <a:tr h="326571">
-                <a:tc>
-                  <a:txBody>
-                    <a:bodyPr/>
-                    <a:lstStyle/>
-                    <a:p>
-                      <a:r>
-                        <a:t>Peak Power</a:t>
+                        <a:t>Peak Power(kW)</a:t>
                       </a:r>
                     </a:p>
                   </a:txBody>
@@ -3551,7 +3551,7 @@
                     <a:lstStyle/>
                     <a:p>
                       <a:r>
-                        <a:t>Average Power</a:t>
+                        <a:t>Average Power(kW)</a:t>
                       </a:r>
                     </a:p>
                   </a:txBody>
@@ -3668,7 +3668,7 @@
                     <a:lstStyle/>
                     <a:p>
                       <a:r>
-                        <a:t>Total Energy Regenerated</a:t>
+                        <a:t>Total Energy Regenerated(kWh)</a:t>
                       </a:r>
                     </a:p>
                   </a:txBody>
@@ -3694,19 +3694,19 @@
                     <a:lstStyle/>
                     <a:p>
                       <a:r>
-                        <a:t>Regenerative Effectiveness</a:t>
-                      </a:r>
-                    </a:p>
-                  </a:txBody>
-                  <a:tcPr/>
-                </a:tc>
-                <a:tc>
-                  <a:txBody>
-                    <a:bodyPr/>
-                    <a:lstStyle/>
-                    <a:p>
-                      <a:r>
-                        <a:t>-0.04301825399439998</a:t>
+                        <a:t>Regenerative Effectiveness(%)</a:t>
+                      </a:r>
+                    </a:p>
+                  </a:txBody>
+                  <a:tcPr/>
+                </a:tc>
+                <a:tc>
+                  <a:txBody>
+                    <a:bodyPr/>
+                    <a:lstStyle/>
+                    <a:p>
+                      <a:r>
+                        <a:t>0.04301825399439998</a:t>
                       </a:r>
                     </a:p>
                   </a:txBody>
@@ -3720,7 +3720,33 @@
                     <a:lstStyle/>
                     <a:p>
                       <a:r>
-                        <a:t>Lowest Cell Voltage</a:t>
+                        <a:t>Highest Cell Voltage(V)</a:t>
+                      </a:r>
+                    </a:p>
+                  </a:txBody>
+                  <a:tcPr/>
+                </a:tc>
+                <a:tc>
+                  <a:txBody>
+                    <a:bodyPr/>
+                    <a:lstStyle/>
+                    <a:p>
+                      <a:r>
+                        <a:t>3.295</a:t>
+                      </a:r>
+                    </a:p>
+                  </a:txBody>
+                  <a:tcPr/>
+                </a:tc>
+              </a:tr>
+              <a:tr h="326571">
+                <a:tc>
+                  <a:txBody>
+                    <a:bodyPr/>
+                    <a:lstStyle/>
+                    <a:p>
+                      <a:r>
+                        <a:t>Lowest Cell Voltage(V)</a:t>
                       </a:r>
                     </a:p>
                   </a:txBody>
@@ -3746,19 +3772,19 @@
                     <a:lstStyle/>
                     <a:p>
                       <a:r>
-                        <a:t>Highest Cell Voltage</a:t>
-                      </a:r>
-                    </a:p>
-                  </a:txBody>
-                  <a:tcPr/>
-                </a:tc>
-                <a:tc>
-                  <a:txBody>
-                    <a:bodyPr/>
-                    <a:lstStyle/>
-                    <a:p>
-                      <a:r>
-                        <a:t>3.295</a:t>
+                        <a:t>Difference in Cell Voltage(V)</a:t>
+                      </a:r>
+                    </a:p>
+                  </a:txBody>
+                  <a:tcPr/>
+                </a:tc>
+                <a:tc>
+                  <a:txBody>
+                    <a:bodyPr/>
+                    <a:lstStyle/>
+                    <a:p>
+                      <a:r>
+                        <a:t>0.20900000000000007</a:t>
                       </a:r>
                     </a:p>
                   </a:txBody>
@@ -3772,19 +3798,19 @@
                     <a:lstStyle/>
                     <a:p>
                       <a:r>
-                        <a:t>Difference in Cell Voltage</a:t>
-                      </a:r>
-                    </a:p>
-                  </a:txBody>
-                  <a:tcPr/>
-                </a:tc>
-                <a:tc>
-                  <a:txBody>
-                    <a:bodyPr/>
-                    <a:lstStyle/>
-                    <a:p>
-                      <a:r>
-                        <a:t>0.20900000000000007</a:t>
+                        <a:t>Minimum Temperature(C)</a:t>
+                      </a:r>
+                    </a:p>
+                  </a:txBody>
+                  <a:tcPr/>
+                </a:tc>
+                <a:tc>
+                  <a:txBody>
+                    <a:bodyPr/>
+                    <a:lstStyle/>
+                    <a:p>
+                      <a:r>
+                        <a:t>26.0</a:t>
                       </a:r>
                     </a:p>
                   </a:txBody>
@@ -3798,19 +3824,19 @@
                     <a:lstStyle/>
                     <a:p>
                       <a:r>
-                        <a:t>Minimum Temperature</a:t>
-                      </a:r>
-                    </a:p>
-                  </a:txBody>
-                  <a:tcPr/>
-                </a:tc>
-                <a:tc>
-                  <a:txBody>
-                    <a:bodyPr/>
-                    <a:lstStyle/>
-                    <a:p>
-                      <a:r>
-                        <a:t>26.0</a:t>
+                        <a:t>Maximum Temperature(C)</a:t>
+                      </a:r>
+                    </a:p>
+                  </a:txBody>
+                  <a:tcPr/>
+                </a:tc>
+                <a:tc>
+                  <a:txBody>
+                    <a:bodyPr/>
+                    <a:lstStyle/>
+                    <a:p>
+                      <a:r>
+                        <a:t>29.0</a:t>
                       </a:r>
                     </a:p>
                   </a:txBody>
@@ -3824,19 +3850,19 @@
                     <a:lstStyle/>
                     <a:p>
                       <a:r>
-                        <a:t>Maximum Temperature</a:t>
-                      </a:r>
-                    </a:p>
-                  </a:txBody>
-                  <a:tcPr/>
-                </a:tc>
-                <a:tc>
-                  <a:txBody>
-                    <a:bodyPr/>
-                    <a:lstStyle/>
-                    <a:p>
-                      <a:r>
-                        <a:t>29.0</a:t>
+                        <a:t>Difference in Temperature(C)</a:t>
+                      </a:r>
+                    </a:p>
+                  </a:txBody>
+                  <a:tcPr/>
+                </a:tc>
+                <a:tc>
+                  <a:txBody>
+                    <a:bodyPr/>
+                    <a:lstStyle/>
+                    <a:p>
+                      <a:r>
+                        <a:t>3.0</a:t>
                       </a:r>
                     </a:p>
                   </a:txBody>
@@ -3850,19 +3876,19 @@
                     <a:lstStyle/>
                     <a:p>
                       <a:r>
-                        <a:t>Difference in Temperature</a:t>
-                      </a:r>
-                    </a:p>
-                  </a:txBody>
-                  <a:tcPr/>
-                </a:tc>
-                <a:tc>
-                  <a:txBody>
-                    <a:bodyPr/>
-                    <a:lstStyle/>
-                    <a:p>
-                      <a:r>
-                        <a:t>nan</a:t>
+                        <a:t>Maximum Fet Temperature-BMS(C)</a:t>
+                      </a:r>
+                    </a:p>
+                  </a:txBody>
+                  <a:tcPr/>
+                </a:tc>
+                <a:tc>
+                  <a:txBody>
+                    <a:bodyPr/>
+                    <a:lstStyle/>
+                    <a:p>
+                      <a:r>
+                        <a:t>35.0</a:t>
                       </a:r>
                     </a:p>
                   </a:txBody>
@@ -3876,19 +3902,19 @@
                     <a:lstStyle/>
                     <a:p>
                       <a:r>
-                        <a:t>Maximum Fet Temperature</a:t>
-                      </a:r>
-                    </a:p>
-                  </a:txBody>
-                  <a:tcPr/>
-                </a:tc>
-                <a:tc>
-                  <a:txBody>
-                    <a:bodyPr/>
-                    <a:lstStyle/>
-                    <a:p>
-                      <a:r>
-                        <a:t>35.0</a:t>
+                        <a:t>Maximum Afe Temperature-BMS(C)</a:t>
+                      </a:r>
+                    </a:p>
+                  </a:txBody>
+                  <a:tcPr/>
+                </a:tc>
+                <a:tc>
+                  <a:txBody>
+                    <a:bodyPr/>
+                    <a:lstStyle/>
+                    <a:p>
+                      <a:r>
+                        <a:t>38.0</a:t>
                       </a:r>
                     </a:p>
                   </a:txBody>
@@ -3902,19 +3928,19 @@
                     <a:lstStyle/>
                     <a:p>
                       <a:r>
-                        <a:t>Maximum Afe Temperature</a:t>
-                      </a:r>
-                    </a:p>
-                  </a:txBody>
-                  <a:tcPr/>
-                </a:tc>
-                <a:tc>
-                  <a:txBody>
-                    <a:bodyPr/>
-                    <a:lstStyle/>
-                    <a:p>
-                      <a:r>
-                        <a:t>38.0</a:t>
+                        <a:t>Maximum PCB Temperature-BMS(C)</a:t>
+                      </a:r>
+                    </a:p>
+                  </a:txBody>
+                  <a:tcPr/>
+                </a:tc>
+                <a:tc>
+                  <a:txBody>
+                    <a:bodyPr/>
+                    <a:lstStyle/>
+                    <a:p>
+                      <a:r>
+                        <a:t>37.0</a:t>
                       </a:r>
                     </a:p>
                   </a:txBody>
@@ -3928,33 +3954,7 @@
                     <a:lstStyle/>
                     <a:p>
                       <a:r>
-                        <a:t>Maximum PCB Temperature</a:t>
-                      </a:r>
-                    </a:p>
-                  </a:txBody>
-                  <a:tcPr/>
-                </a:tc>
-                <a:tc>
-                  <a:txBody>
-                    <a:bodyPr/>
-                    <a:lstStyle/>
-                    <a:p>
-                      <a:r>
-                        <a:t>37.0</a:t>
-                      </a:r>
-                    </a:p>
-                  </a:txBody>
-                  <a:tcPr/>
-                </a:tc>
-              </a:tr>
-              <a:tr h="326571">
-                <a:tc>
-                  <a:txBody>
-                    <a:bodyPr/>
-                    <a:lstStyle/>
-                    <a:p>
-                      <a:r>
-                        <a:t>Maximum MCU Temperature</a:t>
+                        <a:t>Maximum MCU Temperature(C)</a:t>
                       </a:r>
                     </a:p>
                   </a:txBody>
@@ -3980,7 +3980,7 @@
                     <a:lstStyle/>
                     <a:p>
                       <a:r>
-                        <a:t>Maximum Motor Temperature</a:t>
+                        <a:t>Maximum Motor Temperature(C)</a:t>
                       </a:r>
                     </a:p>
                   </a:txBody>
@@ -4097,7 +4097,7 @@
                     <a:lstStyle/>
                     <a:p>
                       <a:r>
-                        <a:t>Abnormal Motor Temperature Detected</a:t>
+                        <a:t>Abnormal Motor Temperature Detected(C)</a:t>
                       </a:r>
                     </a:p>
                   </a:txBody>
@@ -4123,7 +4123,7 @@
                     <a:lstStyle/>
                     <a:p>
                       <a:r>
-                        <a:t>lowest cell temp</a:t>
+                        <a:t>highest cell temp(C)</a:t>
                       </a:r>
                     </a:p>
                   </a:txBody>
@@ -4149,7 +4149,7 @@
                     <a:lstStyle/>
                     <a:p>
                       <a:r>
-                        <a:t>highest cell temp</a:t>
+                        <a:t>lowest cell temp(C)</a:t>
                       </a:r>
                     </a:p>
                   </a:txBody>
@@ -4175,7 +4175,7 @@
                     <a:lstStyle/>
                     <a:p>
                       <a:r>
-                        <a:t>Difference between Highest and Lowest Cell Temperature at 100% SOC</a:t>
+                        <a:t>Difference between Highest and Lowest Cell Temperature at 100% SOC(C)</a:t>
                       </a:r>
                     </a:p>
                   </a:txBody>
@@ -4201,19 +4201,19 @@
                     <a:lstStyle/>
                     <a:p>
                       <a:r>
-                        <a:t>Maximum BMS Temperature in C</a:t>
-                      </a:r>
-                    </a:p>
-                  </a:txBody>
-                  <a:tcPr/>
-                </a:tc>
-                <a:tc>
-                  <a:txBody>
-                    <a:bodyPr/>
-                    <a:lstStyle/>
-                    <a:p>
-                      <a:r>
-                        <a:t>35.0</a:t>
+                        <a:t>Battery Voltage(V)</a:t>
+                      </a:r>
+                    </a:p>
+                  </a:txBody>
+                  <a:tcPr/>
+                </a:tc>
+                <a:tc>
+                  <a:txBody>
+                    <a:bodyPr/>
+                    <a:lstStyle/>
+                    <a:p>
+                      <a:r>
+                        <a:t>52.0</a:t>
                       </a:r>
                     </a:p>
                   </a:txBody>
@@ -4227,19 +4227,19 @@
                     <a:lstStyle/>
                     <a:p>
                       <a:r>
-                        <a:t>Battery Voltage</a:t>
-                      </a:r>
-                    </a:p>
-                  </a:txBody>
-                  <a:tcPr/>
-                </a:tc>
-                <a:tc>
-                  <a:txBody>
-                    <a:bodyPr/>
-                    <a:lstStyle/>
-                    <a:p>
-                      <a:r>
-                        <a:t>5.2</a:t>
+                        <a:t>Total energy charged(kWh)</a:t>
+                      </a:r>
+                    </a:p>
+                  </a:txBody>
+                  <a:tcPr/>
+                </a:tc>
+                <a:tc>
+                  <a:txBody>
+                    <a:bodyPr/>
+                    <a:lstStyle/>
+                    <a:p>
+                      <a:r>
+                        <a:t>0.4010612811111111</a:t>
                       </a:r>
                     </a:p>
                   </a:txBody>
@@ -4253,19 +4253,19 @@
                     <a:lstStyle/>
                     <a:p>
                       <a:r>
-                        <a:t>Total energy charged in kWh</a:t>
-                      </a:r>
-                    </a:p>
-                  </a:txBody>
-                  <a:tcPr/>
-                </a:tc>
-                <a:tc>
-                  <a:txBody>
-                    <a:bodyPr/>
-                    <a:lstStyle/>
-                    <a:p>
-                      <a:r>
-                        <a:t>0.04010612811111111</a:t>
+                        <a:t>Electricity consumption units(kW)</a:t>
+                      </a:r>
+                    </a:p>
+                  </a:txBody>
+                  <a:tcPr/>
+                </a:tc>
+                <a:tc>
+                  <a:txBody>
+                    <a:bodyPr/>
+                    <a:lstStyle/>
+                    <a:p>
+                      <a:r>
+                        <a:t>8.10224810325477e-08</a:t>
                       </a:r>
                     </a:p>
                   </a:txBody>
@@ -4279,19 +4279,19 @@
                     <a:lstStyle/>
                     <a:p>
                       <a:r>
-                        <a:t>Electricity consumption units in kW</a:t>
-                      </a:r>
-                    </a:p>
-                  </a:txBody>
-                  <a:tcPr/>
-                </a:tc>
-                <a:tc>
-                  <a:txBody>
-                    <a:bodyPr/>
-                    <a:lstStyle/>
-                    <a:p>
-                      <a:r>
-                        <a:t>8.102248103254769e-09</a:t>
+                        <a:t>Idling time percentage</a:t>
+                      </a:r>
+                    </a:p>
+                  </a:txBody>
+                  <a:tcPr/>
+                </a:tc>
+                <a:tc>
+                  <a:txBody>
+                    <a:bodyPr/>
+                    <a:lstStyle/>
+                    <a:p>
+                      <a:r>
+                        <a:t>4.847366655484737</a:t>
                       </a:r>
                     </a:p>
                   </a:txBody>
@@ -4305,19 +4305,19 @@
                     <a:lstStyle/>
                     <a:p>
                       <a:r>
-                        <a:t>Idling time percentage</a:t>
-                      </a:r>
-                    </a:p>
-                  </a:txBody>
-                  <a:tcPr/>
-                </a:tc>
-                <a:tc>
-                  <a:txBody>
-                    <a:bodyPr/>
-                    <a:lstStyle/>
-                    <a:p>
-                      <a:r>
-                        <a:t>3.346192552834619</a:t>
+                        <a:t>Time spent in 0-10 km/h</a:t>
+                      </a:r>
+                    </a:p>
+                  </a:txBody>
+                  <a:tcPr/>
+                </a:tc>
+                <a:tc>
+                  <a:txBody>
+                    <a:bodyPr/>
+                    <a:lstStyle/>
+                    <a:p>
+                      <a:r>
+                        <a:t>8.185172760818517</a:t>
                       </a:r>
                     </a:p>
                   </a:txBody>
@@ -4331,19 +4331,19 @@
                     <a:lstStyle/>
                     <a:p>
                       <a:r>
-                        <a:t>Time spent in 0-10 km/h</a:t>
-                      </a:r>
-                    </a:p>
-                  </a:txBody>
-                  <a:tcPr/>
-                </a:tc>
-                <a:tc>
-                  <a:txBody>
-                    <a:bodyPr/>
-                    <a:lstStyle/>
-                    <a:p>
-                      <a:r>
-                        <a:t>11.531365313653136</a:t>
+                        <a:t>Time spent in 10-20 km/h</a:t>
+                      </a:r>
+                    </a:p>
+                  </a:txBody>
+                  <a:tcPr/>
+                </a:tc>
+                <a:tc>
+                  <a:txBody>
+                    <a:bodyPr/>
+                    <a:lstStyle/>
+                    <a:p>
+                      <a:r>
+                        <a:t>5.182824555518282</a:t>
                       </a:r>
                     </a:p>
                   </a:txBody>
@@ -4357,19 +4357,19 @@
                     <a:lstStyle/>
                     <a:p>
                       <a:r>
-                        <a:t>Time spent in 10-20 km/h</a:t>
-                      </a:r>
-                    </a:p>
-                  </a:txBody>
-                  <a:tcPr/>
-                </a:tc>
-                <a:tc>
-                  <a:txBody>
-                    <a:bodyPr/>
-                    <a:lstStyle/>
-                    <a:p>
-                      <a:r>
-                        <a:t>5.191211003019121</a:t>
+                        <a:t>Time spent in 20-30 km/h</a:t>
+                      </a:r>
+                    </a:p>
+                  </a:txBody>
+                  <a:tcPr/>
+                </a:tc>
+                <a:tc>
+                  <a:txBody>
+                    <a:bodyPr/>
+                    <a:lstStyle/>
+                    <a:p>
+                      <a:r>
+                        <a:t>8.092921838309291</a:t>
                       </a:r>
                     </a:p>
                   </a:txBody>
@@ -4383,19 +4383,19 @@
                     <a:lstStyle/>
                     <a:p>
                       <a:r>
-                        <a:t>Time spent in 20-30 km/h</a:t>
-                      </a:r>
-                    </a:p>
-                  </a:txBody>
-                  <a:tcPr/>
-                </a:tc>
-                <a:tc>
-                  <a:txBody>
-                    <a:bodyPr/>
-                    <a:lstStyle/>
-                    <a:p>
-                      <a:r>
-                        <a:t>8.134854075813486</a:t>
+                        <a:t>Time spent in 30-40 km/h</a:t>
+                      </a:r>
+                    </a:p>
+                  </a:txBody>
+                  <a:tcPr/>
+                </a:tc>
+                <a:tc>
+                  <a:txBody>
+                    <a:bodyPr/>
+                    <a:lstStyle/>
+                    <a:p>
+                      <a:r>
+                        <a:t>73.61623616236163</a:t>
                       </a:r>
                     </a:p>
                   </a:txBody>
@@ -4409,19 +4409,19 @@
                     <a:lstStyle/>
                     <a:p>
                       <a:r>
-                        <a:t>Time spent in 30-40 km/h</a:t>
-                      </a:r>
-                    </a:p>
-                  </a:txBody>
-                  <a:tcPr/>
-                </a:tc>
-                <a:tc>
-                  <a:txBody>
-                    <a:bodyPr/>
-                    <a:lstStyle/>
-                    <a:p>
-                      <a:r>
-                        <a:t>73.6330090573633</a:t>
+                        <a:t>Time spent in 40-50 km/h</a:t>
+                      </a:r>
+                    </a:p>
+                  </a:txBody>
+                  <a:tcPr/>
+                </a:tc>
+                <a:tc>
+                  <a:txBody>
+                    <a:bodyPr/>
+                    <a:lstStyle/>
+                    <a:p>
+                      <a:r>
+                        <a:t>0.008386447500838645</a:t>
                       </a:r>
                     </a:p>
                   </a:txBody>
@@ -4526,19 +4526,19 @@
                     <a:lstStyle/>
                     <a:p>
                       <a:r>
-                        <a:t>Time spent in 40-50 km/h</a:t>
-                      </a:r>
-                    </a:p>
-                  </a:txBody>
-                  <a:tcPr/>
-                </a:tc>
-                <a:tc>
-                  <a:txBody>
-                    <a:bodyPr/>
-                    <a:lstStyle/>
-                    <a:p>
-                      <a:r>
-                        <a:t>0.008386447500838645</a:t>
+                        <a:t>Time spent in 50-60 km/h</a:t>
+                      </a:r>
+                    </a:p>
+                  </a:txBody>
+                  <a:tcPr/>
+                </a:tc>
+                <a:tc>
+                  <a:txBody>
+                    <a:bodyPr/>
+                    <a:lstStyle/>
+                    <a:p>
+                      <a:r>
+                        <a:t>0.0</a:t>
                       </a:r>
                     </a:p>
                   </a:txBody>
@@ -4552,7 +4552,7 @@
                     <a:lstStyle/>
                     <a:p>
                       <a:r>
-                        <a:t>Time spent in 50-60 km/h</a:t>
+                        <a:t>Time spent in 60-70 km/h</a:t>
                       </a:r>
                     </a:p>
                   </a:txBody>
@@ -4578,7 +4578,7 @@
                     <a:lstStyle/>
                     <a:p>
                       <a:r>
-                        <a:t>Time spent in 60-70 km/h</a:t>
+                        <a:t>Time spent in 70-80 km/h</a:t>
                       </a:r>
                     </a:p>
                   </a:txBody>
@@ -4602,15 +4602,23 @@
                   <a:txBody>
                     <a:bodyPr/>
                     <a:lstStyle/>
-                    <a:p/>
-                  </a:txBody>
-                  <a:tcPr/>
-                </a:tc>
-                <a:tc>
-                  <a:txBody>
-                    <a:bodyPr/>
-                    <a:lstStyle/>
-                    <a:p/>
+                    <a:p>
+                      <a:r>
+                        <a:t>Time spent in 80-90 km/h</a:t>
+                      </a:r>
+                    </a:p>
+                  </a:txBody>
+                  <a:tcPr/>
+                </a:tc>
+                <a:tc>
+                  <a:txBody>
+                    <a:bodyPr/>
+                    <a:lstStyle/>
+                    <a:p>
+                      <a:r>
+                        <a:t>0.0</a:t>
+                      </a:r>
+                    </a:p>
                   </a:txBody>
                   <a:tcPr/>
                 </a:tc>

--- a/Automationdashboard/MAIN_FOLDER/Automation_Dashboard_Batterywise/V2/D12_03_2024/B4_B04_09.18_09.42/analysis_B4_B04_09.18_09.42.pptx
+++ b/Automationdashboard/MAIN_FOLDER/Automation_Dashboard_Batterywise/V2/D12_03_2024/B4_B04_09.18_09.42/analysis_B4_B04_09.18_09.42.pptx
@@ -3234,6 +3234,32 @@
                     <a:lstStyle/>
                     <a:p>
                       <a:r>
+                        <a:t>Date and Time</a:t>
+                      </a:r>
+                    </a:p>
+                  </a:txBody>
+                  <a:tcPr/>
+                </a:tc>
+                <a:tc>
+                  <a:txBody>
+                    <a:bodyPr/>
+                    <a:lstStyle/>
+                    <a:p>
+                      <a:r>
+                        <a:t>2024-03-12 09:18:59.230000 to 2024-03-12 09:41:58.586000</a:t>
+                      </a:r>
+                    </a:p>
+                  </a:txBody>
+                  <a:tcPr/>
+                </a:tc>
+              </a:tr>
+              <a:tr h="326571">
+                <a:tc>
+                  <a:txBody>
+                    <a:bodyPr/>
+                    <a:lstStyle/>
+                    <a:p>
+                      <a:r>
                         <a:t>Total time taken for the ride</a:t>
                       </a:r>
                     </a:p>
@@ -3376,6 +3402,32 @@
                     <a:lstStyle/>
                     <a:p>
                       <a:r>
+                        <a:t>30.0</a:t>
+                      </a:r>
+                    </a:p>
+                  </a:txBody>
+                  <a:tcPr/>
+                </a:tc>
+              </a:tr>
+              <a:tr h="326571">
+                <a:tc>
+                  <a:txBody>
+                    <a:bodyPr/>
+                    <a:lstStyle/>
+                    <a:p>
+                      <a:r>
+                        <a:t>Ending SoC (%)</a:t>
+                      </a:r>
+                    </a:p>
+                  </a:txBody>
+                  <a:tcPr/>
+                </a:tc>
+                <a:tc>
+                  <a:txBody>
+                    <a:bodyPr/>
+                    <a:lstStyle/>
+                    <a:p>
+                      <a:r>
                         <a:t>12.0</a:t>
                       </a:r>
                     </a:p>
@@ -3390,19 +3442,19 @@
                     <a:lstStyle/>
                     <a:p>
                       <a:r>
-                        <a:t>Ending SoC (%)</a:t>
-                      </a:r>
-                    </a:p>
-                  </a:txBody>
-                  <a:tcPr/>
-                </a:tc>
-                <a:tc>
-                  <a:txBody>
-                    <a:bodyPr/>
-                    <a:lstStyle/>
-                    <a:p>
-                      <a:r>
-                        <a:t>30.0</a:t>
+                        <a:t>Total distance covered (km)</a:t>
+                      </a:r>
+                    </a:p>
+                  </a:txBody>
+                  <a:tcPr/>
+                </a:tc>
+                <a:tc>
+                  <a:txBody>
+                    <a:bodyPr/>
+                    <a:lstStyle/>
+                    <a:p>
+                      <a:r>
+                        <a:t>11.775020637923902</a:t>
                       </a:r>
                     </a:p>
                   </a:txBody>
@@ -3416,19 +3468,19 @@
                     <a:lstStyle/>
                     <a:p>
                       <a:r>
-                        <a:t>Total distance covered (in kilometers)</a:t>
-                      </a:r>
-                    </a:p>
-                  </a:txBody>
-                  <a:tcPr/>
-                </a:tc>
-                <a:tc>
-                  <a:txBody>
-                    <a:bodyPr/>
-                    <a:lstStyle/>
-                    <a:p>
-                      <a:r>
-                        <a:t>11.775020637923902</a:t>
+                        <a:t>Total energy consumption(WH/KM)</a:t>
+                      </a:r>
+                    </a:p>
+                  </a:txBody>
+                  <a:tcPr/>
+                </a:tc>
+                <a:tc>
+                  <a:txBody>
+                    <a:bodyPr/>
+                    <a:lstStyle/>
+                    <a:p>
+                      <a:r>
+                        <a:t>33.25673477348758</a:t>
                       </a:r>
                     </a:p>
                   </a:txBody>
@@ -3442,19 +3494,19 @@
                     <a:lstStyle/>
                     <a:p>
                       <a:r>
-                        <a:t>WH/KM</a:t>
-                      </a:r>
-                    </a:p>
-                  </a:txBody>
-                  <a:tcPr/>
-                </a:tc>
-                <a:tc>
-                  <a:txBody>
-                    <a:bodyPr/>
-                    <a:lstStyle/>
-                    <a:p>
-                      <a:r>
-                        <a:t>33.25673477348758</a:t>
+                        <a:t>Total SOC consumed(%)</a:t>
+                      </a:r>
+                    </a:p>
+                  </a:txBody>
+                  <a:tcPr/>
+                </a:tc>
+                <a:tc>
+                  <a:txBody>
+                    <a:bodyPr/>
+                    <a:lstStyle/>
+                    <a:p>
+                      <a:r>
+                        <a:t>18.0</a:t>
                       </a:r>
                     </a:p>
                   </a:txBody>
@@ -3468,32 +3520,6 @@
                     <a:lstStyle/>
                     <a:p>
                       <a:r>
-                        <a:t>Total SOC consumed</a:t>
-                      </a:r>
-                    </a:p>
-                  </a:txBody>
-                  <a:tcPr/>
-                </a:tc>
-                <a:tc>
-                  <a:txBody>
-                    <a:bodyPr/>
-                    <a:lstStyle/>
-                    <a:p>
-                      <a:r>
-                        <a:t>18.0</a:t>
-                      </a:r>
-                    </a:p>
-                  </a:txBody>
-                  <a:tcPr/>
-                </a:tc>
-              </a:tr>
-              <a:tr h="326571">
-                <a:tc>
-                  <a:txBody>
-                    <a:bodyPr/>
-                    <a:lstStyle/>
-                    <a:p>
-                      <a:r>
                         <a:t>Mode</a:t>
                       </a:r>
                     </a:p>
@@ -3518,14 +3544,14 @@
                   <a:tcPr/>
                 </a:tc>
               </a:tr>
-              <a:tr h="326571">
-                <a:tc>
-                  <a:txBody>
-                    <a:bodyPr/>
-                    <a:lstStyle/>
-                    <a:p>
-                      <a:r>
-                        <a:t>Peak Power</a:t>
+              <a:tr h="326577">
+                <a:tc>
+                  <a:txBody>
+                    <a:bodyPr/>
+                    <a:lstStyle/>
+                    <a:p>
+                      <a:r>
+                        <a:t>Peak Power(kW)</a:t>
                       </a:r>
                     </a:p>
                   </a:txBody>
@@ -3538,32 +3564,6 @@
                     <a:p>
                       <a:r>
                         <a:t>2444.592456</a:t>
-                      </a:r>
-                    </a:p>
-                  </a:txBody>
-                  <a:tcPr/>
-                </a:tc>
-              </a:tr>
-              <a:tr h="326577">
-                <a:tc>
-                  <a:txBody>
-                    <a:bodyPr/>
-                    <a:lstStyle/>
-                    <a:p>
-                      <a:r>
-                        <a:t>Average Power</a:t>
-                      </a:r>
-                    </a:p>
-                  </a:txBody>
-                  <a:tcPr/>
-                </a:tc>
-                <a:tc>
-                  <a:txBody>
-                    <a:bodyPr/>
-                    <a:lstStyle/>
-                    <a:p>
-                      <a:r>
-                        <a:t>-1028.2680218147336</a:t>
                       </a:r>
                     </a:p>
                   </a:txBody>
@@ -3668,7 +3668,33 @@
                     <a:lstStyle/>
                     <a:p>
                       <a:r>
-                        <a:t>Total Energy Regenerated</a:t>
+                        <a:t>Average Power(kW)</a:t>
+                      </a:r>
+                    </a:p>
+                  </a:txBody>
+                  <a:tcPr/>
+                </a:tc>
+                <a:tc>
+                  <a:txBody>
+                    <a:bodyPr/>
+                    <a:lstStyle/>
+                    <a:p>
+                      <a:r>
+                        <a:t>-1028.2680218147336</a:t>
+                      </a:r>
+                    </a:p>
+                  </a:txBody>
+                  <a:tcPr/>
+                </a:tc>
+              </a:tr>
+              <a:tr h="326571">
+                <a:tc>
+                  <a:txBody>
+                    <a:bodyPr/>
+                    <a:lstStyle/>
+                    <a:p>
+                      <a:r>
+                        <a:t>Total Energy Regenerated(kWh)</a:t>
                       </a:r>
                     </a:p>
                   </a:txBody>
@@ -3694,19 +3720,19 @@
                     <a:lstStyle/>
                     <a:p>
                       <a:r>
-                        <a:t>Regenerative Effectiveness</a:t>
-                      </a:r>
-                    </a:p>
-                  </a:txBody>
-                  <a:tcPr/>
-                </a:tc>
-                <a:tc>
-                  <a:txBody>
-                    <a:bodyPr/>
-                    <a:lstStyle/>
-                    <a:p>
-                      <a:r>
-                        <a:t>-0.04301825399439998</a:t>
+                        <a:t>Regenerative Effectiveness(%)</a:t>
+                      </a:r>
+                    </a:p>
+                  </a:txBody>
+                  <a:tcPr/>
+                </a:tc>
+                <a:tc>
+                  <a:txBody>
+                    <a:bodyPr/>
+                    <a:lstStyle/>
+                    <a:p>
+                      <a:r>
+                        <a:t>0.04301825399439998</a:t>
                       </a:r>
                     </a:p>
                   </a:txBody>
@@ -3720,7 +3746,33 @@
                     <a:lstStyle/>
                     <a:p>
                       <a:r>
-                        <a:t>Lowest Cell Voltage</a:t>
+                        <a:t>Highest Cell Voltage(V)</a:t>
+                      </a:r>
+                    </a:p>
+                  </a:txBody>
+                  <a:tcPr/>
+                </a:tc>
+                <a:tc>
+                  <a:txBody>
+                    <a:bodyPr/>
+                    <a:lstStyle/>
+                    <a:p>
+                      <a:r>
+                        <a:t>3.295</a:t>
+                      </a:r>
+                    </a:p>
+                  </a:txBody>
+                  <a:tcPr/>
+                </a:tc>
+              </a:tr>
+              <a:tr h="326571">
+                <a:tc>
+                  <a:txBody>
+                    <a:bodyPr/>
+                    <a:lstStyle/>
+                    <a:p>
+                      <a:r>
+                        <a:t>Lowest Cell Voltage(V)</a:t>
                       </a:r>
                     </a:p>
                   </a:txBody>
@@ -3746,19 +3798,19 @@
                     <a:lstStyle/>
                     <a:p>
                       <a:r>
-                        <a:t>Highest Cell Voltage</a:t>
-                      </a:r>
-                    </a:p>
-                  </a:txBody>
-                  <a:tcPr/>
-                </a:tc>
-                <a:tc>
-                  <a:txBody>
-                    <a:bodyPr/>
-                    <a:lstStyle/>
-                    <a:p>
-                      <a:r>
-                        <a:t>3.295</a:t>
+                        <a:t>Difference in Cell Voltage(V)</a:t>
+                      </a:r>
+                    </a:p>
+                  </a:txBody>
+                  <a:tcPr/>
+                </a:tc>
+                <a:tc>
+                  <a:txBody>
+                    <a:bodyPr/>
+                    <a:lstStyle/>
+                    <a:p>
+                      <a:r>
+                        <a:t>0.20900000000000007</a:t>
                       </a:r>
                     </a:p>
                   </a:txBody>
@@ -3772,19 +3824,19 @@
                     <a:lstStyle/>
                     <a:p>
                       <a:r>
-                        <a:t>Difference in Cell Voltage</a:t>
-                      </a:r>
-                    </a:p>
-                  </a:txBody>
-                  <a:tcPr/>
-                </a:tc>
-                <a:tc>
-                  <a:txBody>
-                    <a:bodyPr/>
-                    <a:lstStyle/>
-                    <a:p>
-                      <a:r>
-                        <a:t>0.20900000000000007</a:t>
+                        <a:t>Minimum Temperature(C)</a:t>
+                      </a:r>
+                    </a:p>
+                  </a:txBody>
+                  <a:tcPr/>
+                </a:tc>
+                <a:tc>
+                  <a:txBody>
+                    <a:bodyPr/>
+                    <a:lstStyle/>
+                    <a:p>
+                      <a:r>
+                        <a:t>26.0</a:t>
                       </a:r>
                     </a:p>
                   </a:txBody>
@@ -3798,19 +3850,19 @@
                     <a:lstStyle/>
                     <a:p>
                       <a:r>
-                        <a:t>Minimum Temperature</a:t>
-                      </a:r>
-                    </a:p>
-                  </a:txBody>
-                  <a:tcPr/>
-                </a:tc>
-                <a:tc>
-                  <a:txBody>
-                    <a:bodyPr/>
-                    <a:lstStyle/>
-                    <a:p>
-                      <a:r>
-                        <a:t>26.0</a:t>
+                        <a:t>Maximum Temperature(C)</a:t>
+                      </a:r>
+                    </a:p>
+                  </a:txBody>
+                  <a:tcPr/>
+                </a:tc>
+                <a:tc>
+                  <a:txBody>
+                    <a:bodyPr/>
+                    <a:lstStyle/>
+                    <a:p>
+                      <a:r>
+                        <a:t>29.0</a:t>
                       </a:r>
                     </a:p>
                   </a:txBody>
@@ -3824,19 +3876,19 @@
                     <a:lstStyle/>
                     <a:p>
                       <a:r>
-                        <a:t>Maximum Temperature</a:t>
-                      </a:r>
-                    </a:p>
-                  </a:txBody>
-                  <a:tcPr/>
-                </a:tc>
-                <a:tc>
-                  <a:txBody>
-                    <a:bodyPr/>
-                    <a:lstStyle/>
-                    <a:p>
-                      <a:r>
-                        <a:t>29.0</a:t>
+                        <a:t>Difference in Temperature(C)</a:t>
+                      </a:r>
+                    </a:p>
+                  </a:txBody>
+                  <a:tcPr/>
+                </a:tc>
+                <a:tc>
+                  <a:txBody>
+                    <a:bodyPr/>
+                    <a:lstStyle/>
+                    <a:p>
+                      <a:r>
+                        <a:t>3.0</a:t>
                       </a:r>
                     </a:p>
                   </a:txBody>
@@ -3850,19 +3902,19 @@
                     <a:lstStyle/>
                     <a:p>
                       <a:r>
-                        <a:t>Difference in Temperature</a:t>
-                      </a:r>
-                    </a:p>
-                  </a:txBody>
-                  <a:tcPr/>
-                </a:tc>
-                <a:tc>
-                  <a:txBody>
-                    <a:bodyPr/>
-                    <a:lstStyle/>
-                    <a:p>
-                      <a:r>
-                        <a:t>nan</a:t>
+                        <a:t>Maximum Fet Temperature-BMS(C)</a:t>
+                      </a:r>
+                    </a:p>
+                  </a:txBody>
+                  <a:tcPr/>
+                </a:tc>
+                <a:tc>
+                  <a:txBody>
+                    <a:bodyPr/>
+                    <a:lstStyle/>
+                    <a:p>
+                      <a:r>
+                        <a:t>35.0</a:t>
                       </a:r>
                     </a:p>
                   </a:txBody>
@@ -3876,19 +3928,19 @@
                     <a:lstStyle/>
                     <a:p>
                       <a:r>
-                        <a:t>Maximum Fet Temperature</a:t>
-                      </a:r>
-                    </a:p>
-                  </a:txBody>
-                  <a:tcPr/>
-                </a:tc>
-                <a:tc>
-                  <a:txBody>
-                    <a:bodyPr/>
-                    <a:lstStyle/>
-                    <a:p>
-                      <a:r>
-                        <a:t>35.0</a:t>
+                        <a:t>Maximum Afe Temperature-BMS(C)</a:t>
+                      </a:r>
+                    </a:p>
+                  </a:txBody>
+                  <a:tcPr/>
+                </a:tc>
+                <a:tc>
+                  <a:txBody>
+                    <a:bodyPr/>
+                    <a:lstStyle/>
+                    <a:p>
+                      <a:r>
+                        <a:t>38.0</a:t>
                       </a:r>
                     </a:p>
                   </a:txBody>
@@ -3902,33 +3954,7 @@
                     <a:lstStyle/>
                     <a:p>
                       <a:r>
-                        <a:t>Maximum Afe Temperature</a:t>
-                      </a:r>
-                    </a:p>
-                  </a:txBody>
-                  <a:tcPr/>
-                </a:tc>
-                <a:tc>
-                  <a:txBody>
-                    <a:bodyPr/>
-                    <a:lstStyle/>
-                    <a:p>
-                      <a:r>
-                        <a:t>38.0</a:t>
-                      </a:r>
-                    </a:p>
-                  </a:txBody>
-                  <a:tcPr/>
-                </a:tc>
-              </a:tr>
-              <a:tr h="326571">
-                <a:tc>
-                  <a:txBody>
-                    <a:bodyPr/>
-                    <a:lstStyle/>
-                    <a:p>
-                      <a:r>
-                        <a:t>Maximum PCB Temperature</a:t>
+                        <a:t>Maximum PCB Temperature-BMS(C)</a:t>
                       </a:r>
                     </a:p>
                   </a:txBody>
@@ -3947,14 +3973,14 @@
                   <a:tcPr/>
                 </a:tc>
               </a:tr>
-              <a:tr h="326571">
-                <a:tc>
-                  <a:txBody>
-                    <a:bodyPr/>
-                    <a:lstStyle/>
-                    <a:p>
-                      <a:r>
-                        <a:t>Maximum MCU Temperature</a:t>
+              <a:tr h="326577">
+                <a:tc>
+                  <a:txBody>
+                    <a:bodyPr/>
+                    <a:lstStyle/>
+                    <a:p>
+                      <a:r>
+                        <a:t>Maximum MCU Temperature(C)</a:t>
                       </a:r>
                     </a:p>
                   </a:txBody>
@@ -3967,32 +3993,6 @@
                     <a:p>
                       <a:r>
                         <a:t>46.0</a:t>
-                      </a:r>
-                    </a:p>
-                  </a:txBody>
-                  <a:tcPr/>
-                </a:tc>
-              </a:tr>
-              <a:tr h="326577">
-                <a:tc>
-                  <a:txBody>
-                    <a:bodyPr/>
-                    <a:lstStyle/>
-                    <a:p>
-                      <a:r>
-                        <a:t>Maximum Motor Temperature</a:t>
-                      </a:r>
-                    </a:p>
-                  </a:txBody>
-                  <a:tcPr/>
-                </a:tc>
-                <a:tc>
-                  <a:txBody>
-                    <a:bodyPr/>
-                    <a:lstStyle/>
-                    <a:p>
-                      <a:r>
-                        <a:t>77.0</a:t>
                       </a:r>
                     </a:p>
                   </a:txBody>
@@ -4097,7 +4097,33 @@
                     <a:lstStyle/>
                     <a:p>
                       <a:r>
-                        <a:t>Abnormal Motor Temperature Detected</a:t>
+                        <a:t>Maximum Motor Temperature(C)</a:t>
+                      </a:r>
+                    </a:p>
+                  </a:txBody>
+                  <a:tcPr/>
+                </a:tc>
+                <a:tc>
+                  <a:txBody>
+                    <a:bodyPr/>
+                    <a:lstStyle/>
+                    <a:p>
+                      <a:r>
+                        <a:t>77.0</a:t>
+                      </a:r>
+                    </a:p>
+                  </a:txBody>
+                  <a:tcPr/>
+                </a:tc>
+              </a:tr>
+              <a:tr h="326571">
+                <a:tc>
+                  <a:txBody>
+                    <a:bodyPr/>
+                    <a:lstStyle/>
+                    <a:p>
+                      <a:r>
+                        <a:t>Abnormal Motor Temperature Detected(C)</a:t>
                       </a:r>
                     </a:p>
                   </a:txBody>
@@ -4123,7 +4149,7 @@
                     <a:lstStyle/>
                     <a:p>
                       <a:r>
-                        <a:t>lowest cell temp</a:t>
+                        <a:t>highest cell temp(C)</a:t>
                       </a:r>
                     </a:p>
                   </a:txBody>
@@ -4149,7 +4175,7 @@
                     <a:lstStyle/>
                     <a:p>
                       <a:r>
-                        <a:t>highest cell temp</a:t>
+                        <a:t>lowest cell temp(C)</a:t>
                       </a:r>
                     </a:p>
                   </a:txBody>
@@ -4175,7 +4201,7 @@
                     <a:lstStyle/>
                     <a:p>
                       <a:r>
-                        <a:t>Difference between Highest and Lowest Cell Temperature at 100% SOC</a:t>
+                        <a:t>Difference between Highest and Lowest Cell Temperature at 100% SOC(C)</a:t>
                       </a:r>
                     </a:p>
                   </a:txBody>
@@ -4201,19 +4227,19 @@
                     <a:lstStyle/>
                     <a:p>
                       <a:r>
-                        <a:t>Maximum BMS Temperature in C</a:t>
-                      </a:r>
-                    </a:p>
-                  </a:txBody>
-                  <a:tcPr/>
-                </a:tc>
-                <a:tc>
-                  <a:txBody>
-                    <a:bodyPr/>
-                    <a:lstStyle/>
-                    <a:p>
-                      <a:r>
-                        <a:t>35.0</a:t>
+                        <a:t>Battery Voltage(V)</a:t>
+                      </a:r>
+                    </a:p>
+                  </a:txBody>
+                  <a:tcPr/>
+                </a:tc>
+                <a:tc>
+                  <a:txBody>
+                    <a:bodyPr/>
+                    <a:lstStyle/>
+                    <a:p>
+                      <a:r>
+                        <a:t>52.0</a:t>
                       </a:r>
                     </a:p>
                   </a:txBody>
@@ -4227,19 +4253,19 @@
                     <a:lstStyle/>
                     <a:p>
                       <a:r>
-                        <a:t>Battery Voltage</a:t>
-                      </a:r>
-                    </a:p>
-                  </a:txBody>
-                  <a:tcPr/>
-                </a:tc>
-                <a:tc>
-                  <a:txBody>
-                    <a:bodyPr/>
-                    <a:lstStyle/>
-                    <a:p>
-                      <a:r>
-                        <a:t>5.2</a:t>
+                        <a:t>Total energy charged(kWh)</a:t>
+                      </a:r>
+                    </a:p>
+                  </a:txBody>
+                  <a:tcPr/>
+                </a:tc>
+                <a:tc>
+                  <a:txBody>
+                    <a:bodyPr/>
+                    <a:lstStyle/>
+                    <a:p>
+                      <a:r>
+                        <a:t>0.4010612811111111</a:t>
                       </a:r>
                     </a:p>
                   </a:txBody>
@@ -4253,19 +4279,19 @@
                     <a:lstStyle/>
                     <a:p>
                       <a:r>
-                        <a:t>Total energy charged in kWh</a:t>
-                      </a:r>
-                    </a:p>
-                  </a:txBody>
-                  <a:tcPr/>
-                </a:tc>
-                <a:tc>
-                  <a:txBody>
-                    <a:bodyPr/>
-                    <a:lstStyle/>
-                    <a:p>
-                      <a:r>
-                        <a:t>0.04010612811111111</a:t>
+                        <a:t>Electricity consumption units(kW)</a:t>
+                      </a:r>
+                    </a:p>
+                  </a:txBody>
+                  <a:tcPr/>
+                </a:tc>
+                <a:tc>
+                  <a:txBody>
+                    <a:bodyPr/>
+                    <a:lstStyle/>
+                    <a:p>
+                      <a:r>
+                        <a:t>8.10224810325477e-08</a:t>
                       </a:r>
                     </a:p>
                   </a:txBody>
@@ -4279,19 +4305,19 @@
                     <a:lstStyle/>
                     <a:p>
                       <a:r>
-                        <a:t>Electricity consumption units in kW</a:t>
-                      </a:r>
-                    </a:p>
-                  </a:txBody>
-                  <a:tcPr/>
-                </a:tc>
-                <a:tc>
-                  <a:txBody>
-                    <a:bodyPr/>
-                    <a:lstStyle/>
-                    <a:p>
-                      <a:r>
-                        <a:t>8.102248103254769e-09</a:t>
+                        <a:t>Cycle Count of battery</a:t>
+                      </a:r>
+                    </a:p>
+                  </a:txBody>
+                  <a:tcPr/>
+                </a:tc>
+                <a:tc>
+                  <a:txBody>
+                    <a:bodyPr/>
+                    <a:lstStyle/>
+                    <a:p>
+                      <a:r>
+                        <a:t>27.0</a:t>
                       </a:r>
                     </a:p>
                   </a:txBody>
@@ -4317,7 +4343,7 @@
                     <a:lstStyle/>
                     <a:p>
                       <a:r>
-                        <a:t>3.346192552834619</a:t>
+                        <a:t>4.847366655484737</a:t>
                       </a:r>
                     </a:p>
                   </a:txBody>
@@ -4343,7 +4369,7 @@
                     <a:lstStyle/>
                     <a:p>
                       <a:r>
-                        <a:t>11.531365313653136</a:t>
+                        <a:t>8.185172760818517</a:t>
                       </a:r>
                     </a:p>
                   </a:txBody>
@@ -4369,14 +4395,14 @@
                     <a:lstStyle/>
                     <a:p>
                       <a:r>
-                        <a:t>5.191211003019121</a:t>
-                      </a:r>
-                    </a:p>
-                  </a:txBody>
-                  <a:tcPr/>
-                </a:tc>
-              </a:tr>
-              <a:tr h="326571">
+                        <a:t>5.182824555518282</a:t>
+                      </a:r>
+                    </a:p>
+                  </a:txBody>
+                  <a:tcPr/>
+                </a:tc>
+              </a:tr>
+              <a:tr h="326577">
                 <a:tc>
                   <a:txBody>
                     <a:bodyPr/>
@@ -4395,33 +4421,7 @@
                     <a:lstStyle/>
                     <a:p>
                       <a:r>
-                        <a:t>8.134854075813486</a:t>
-                      </a:r>
-                    </a:p>
-                  </a:txBody>
-                  <a:tcPr/>
-                </a:tc>
-              </a:tr>
-              <a:tr h="326577">
-                <a:tc>
-                  <a:txBody>
-                    <a:bodyPr/>
-                    <a:lstStyle/>
-                    <a:p>
-                      <a:r>
-                        <a:t>Time spent in 30-40 km/h</a:t>
-                      </a:r>
-                    </a:p>
-                  </a:txBody>
-                  <a:tcPr/>
-                </a:tc>
-                <a:tc>
-                  <a:txBody>
-                    <a:bodyPr/>
-                    <a:lstStyle/>
-                    <a:p>
-                      <a:r>
-                        <a:t>73.6330090573633</a:t>
+                        <a:t>8.092921838309291</a:t>
                       </a:r>
                     </a:p>
                   </a:txBody>
@@ -4526,6 +4526,32 @@
                     <a:lstStyle/>
                     <a:p>
                       <a:r>
+                        <a:t>Time spent in 30-40 km/h</a:t>
+                      </a:r>
+                    </a:p>
+                  </a:txBody>
+                  <a:tcPr/>
+                </a:tc>
+                <a:tc>
+                  <a:txBody>
+                    <a:bodyPr/>
+                    <a:lstStyle/>
+                    <a:p>
+                      <a:r>
+                        <a:t>73.61623616236163</a:t>
+                      </a:r>
+                    </a:p>
+                  </a:txBody>
+                  <a:tcPr/>
+                </a:tc>
+              </a:tr>
+              <a:tr h="326571">
+                <a:tc>
+                  <a:txBody>
+                    <a:bodyPr/>
+                    <a:lstStyle/>
+                    <a:p>
+                      <a:r>
                         <a:t>Time spent in 40-50 km/h</a:t>
                       </a:r>
                     </a:p>
@@ -4602,15 +4628,23 @@
                   <a:txBody>
                     <a:bodyPr/>
                     <a:lstStyle/>
-                    <a:p/>
-                  </a:txBody>
-                  <a:tcPr/>
-                </a:tc>
-                <a:tc>
-                  <a:txBody>
-                    <a:bodyPr/>
-                    <a:lstStyle/>
-                    <a:p/>
+                    <a:p>
+                      <a:r>
+                        <a:t>Time spent in 70-80 km/h</a:t>
+                      </a:r>
+                    </a:p>
+                  </a:txBody>
+                  <a:tcPr/>
+                </a:tc>
+                <a:tc>
+                  <a:txBody>
+                    <a:bodyPr/>
+                    <a:lstStyle/>
+                    <a:p>
+                      <a:r>
+                        <a:t>0.0</a:t>
+                      </a:r>
+                    </a:p>
                   </a:txBody>
                   <a:tcPr/>
                 </a:tc>
@@ -4620,33 +4654,23 @@
                   <a:txBody>
                     <a:bodyPr/>
                     <a:lstStyle/>
-                    <a:p/>
-                  </a:txBody>
-                  <a:tcPr/>
-                </a:tc>
-                <a:tc>
-                  <a:txBody>
-                    <a:bodyPr/>
-                    <a:lstStyle/>
-                    <a:p/>
-                  </a:txBody>
-                  <a:tcPr/>
-                </a:tc>
-              </a:tr>
-              <a:tr h="326571">
-                <a:tc>
-                  <a:txBody>
-                    <a:bodyPr/>
-                    <a:lstStyle/>
-                    <a:p/>
-                  </a:txBody>
-                  <a:tcPr/>
-                </a:tc>
-                <a:tc>
-                  <a:txBody>
-                    <a:bodyPr/>
-                    <a:lstStyle/>
-                    <a:p/>
+                    <a:p>
+                      <a:r>
+                        <a:t>Time spent in 80-90 km/h</a:t>
+                      </a:r>
+                    </a:p>
+                  </a:txBody>
+                  <a:tcPr/>
+                </a:tc>
+                <a:tc>
+                  <a:txBody>
+                    <a:bodyPr/>
+                    <a:lstStyle/>
+                    <a:p>
+                      <a:r>
+                        <a:t>0.0</a:t>
+                      </a:r>
+                    </a:p>
                   </a:txBody>
                   <a:tcPr/>
                 </a:tc>
